--- a/documentos/apresentação.pptx
+++ b/documentos/apresentação.pptx
@@ -108,6 +108,11 @@
       </a:defRPr>
     </a:lvl9pPr>
   </p:defaultTextStyle>
+  <p:extLst>
+    <p:ext uri="{EFAFB233-063F-42B5-8137-9DF3F51BA10A}">
+      <p15:sldGuideLst xmlns:p15="http://schemas.microsoft.com/office/powerpoint/2012/main"/>
+    </p:ext>
+  </p:extLst>
 </p:presentation>
 </file>
 
@@ -258,7 +263,7 @@
           <a:p>
             <a:fld id="{F1C2FB81-0EA1-417C-B3E8-BA64D92C7EAD}" type="datetimeFigureOut">
               <a:rPr lang="pt-BR" smtClean="0"/>
-              <a:t>11/06/2023</a:t>
+              <a:t>12/06/2023</a:t>
             </a:fld>
             <a:endParaRPr lang="pt-BR"/>
           </a:p>
@@ -456,7 +461,7 @@
           <a:p>
             <a:fld id="{F1C2FB81-0EA1-417C-B3E8-BA64D92C7EAD}" type="datetimeFigureOut">
               <a:rPr lang="pt-BR" smtClean="0"/>
-              <a:t>11/06/2023</a:t>
+              <a:t>12/06/2023</a:t>
             </a:fld>
             <a:endParaRPr lang="pt-BR"/>
           </a:p>
@@ -664,7 +669,7 @@
           <a:p>
             <a:fld id="{F1C2FB81-0EA1-417C-B3E8-BA64D92C7EAD}" type="datetimeFigureOut">
               <a:rPr lang="pt-BR" smtClean="0"/>
-              <a:t>11/06/2023</a:t>
+              <a:t>12/06/2023</a:t>
             </a:fld>
             <a:endParaRPr lang="pt-BR"/>
           </a:p>
@@ -862,7 +867,7 @@
           <a:p>
             <a:fld id="{F1C2FB81-0EA1-417C-B3E8-BA64D92C7EAD}" type="datetimeFigureOut">
               <a:rPr lang="pt-BR" smtClean="0"/>
-              <a:t>11/06/2023</a:t>
+              <a:t>12/06/2023</a:t>
             </a:fld>
             <a:endParaRPr lang="pt-BR"/>
           </a:p>
@@ -1137,7 +1142,7 @@
           <a:p>
             <a:fld id="{F1C2FB81-0EA1-417C-B3E8-BA64D92C7EAD}" type="datetimeFigureOut">
               <a:rPr lang="pt-BR" smtClean="0"/>
-              <a:t>11/06/2023</a:t>
+              <a:t>12/06/2023</a:t>
             </a:fld>
             <a:endParaRPr lang="pt-BR"/>
           </a:p>
@@ -1402,7 +1407,7 @@
           <a:p>
             <a:fld id="{F1C2FB81-0EA1-417C-B3E8-BA64D92C7EAD}" type="datetimeFigureOut">
               <a:rPr lang="pt-BR" smtClean="0"/>
-              <a:t>11/06/2023</a:t>
+              <a:t>12/06/2023</a:t>
             </a:fld>
             <a:endParaRPr lang="pt-BR"/>
           </a:p>
@@ -1814,7 +1819,7 @@
           <a:p>
             <a:fld id="{F1C2FB81-0EA1-417C-B3E8-BA64D92C7EAD}" type="datetimeFigureOut">
               <a:rPr lang="pt-BR" smtClean="0"/>
-              <a:t>11/06/2023</a:t>
+              <a:t>12/06/2023</a:t>
             </a:fld>
             <a:endParaRPr lang="pt-BR"/>
           </a:p>
@@ -1955,7 +1960,7 @@
           <a:p>
             <a:fld id="{F1C2FB81-0EA1-417C-B3E8-BA64D92C7EAD}" type="datetimeFigureOut">
               <a:rPr lang="pt-BR" smtClean="0"/>
-              <a:t>11/06/2023</a:t>
+              <a:t>12/06/2023</a:t>
             </a:fld>
             <a:endParaRPr lang="pt-BR"/>
           </a:p>
@@ -2068,7 +2073,7 @@
           <a:p>
             <a:fld id="{F1C2FB81-0EA1-417C-B3E8-BA64D92C7EAD}" type="datetimeFigureOut">
               <a:rPr lang="pt-BR" smtClean="0"/>
-              <a:t>11/06/2023</a:t>
+              <a:t>12/06/2023</a:t>
             </a:fld>
             <a:endParaRPr lang="pt-BR"/>
           </a:p>
@@ -2379,7 +2384,7 @@
           <a:p>
             <a:fld id="{F1C2FB81-0EA1-417C-B3E8-BA64D92C7EAD}" type="datetimeFigureOut">
               <a:rPr lang="pt-BR" smtClean="0"/>
-              <a:t>11/06/2023</a:t>
+              <a:t>12/06/2023</a:t>
             </a:fld>
             <a:endParaRPr lang="pt-BR"/>
           </a:p>
@@ -2667,7 +2672,7 @@
           <a:p>
             <a:fld id="{F1C2FB81-0EA1-417C-B3E8-BA64D92C7EAD}" type="datetimeFigureOut">
               <a:rPr lang="pt-BR" smtClean="0"/>
-              <a:t>11/06/2023</a:t>
+              <a:t>12/06/2023</a:t>
             </a:fld>
             <a:endParaRPr lang="pt-BR"/>
           </a:p>
@@ -2908,7 +2913,7 @@
           <a:p>
             <a:fld id="{F1C2FB81-0EA1-417C-B3E8-BA64D92C7EAD}" type="datetimeFigureOut">
               <a:rPr lang="pt-BR" smtClean="0"/>
-              <a:t>11/06/2023</a:t>
+              <a:t>12/06/2023</a:t>
             </a:fld>
             <a:endParaRPr lang="pt-BR"/>
           </a:p>
@@ -3771,10 +3776,148 @@
       </p:grpSpPr>
       <p:sp>
         <p:nvSpPr>
-          <p:cNvPr id="3" name="CaixaDeTexto 2">
-            <a:extLst>
-              <a:ext uri="{FF2B5EF4-FFF2-40B4-BE49-F238E27FC236}">
-                <a16:creationId xmlns:a16="http://schemas.microsoft.com/office/drawing/2014/main" id="{355E003B-A75B-2E8D-21A1-E92F0207382A}"/>
+          <p:cNvPr id="2" name="Retângulo 1">
+            <a:extLst>
+              <a:ext uri="{FF2B5EF4-FFF2-40B4-BE49-F238E27FC236}">
+                <a16:creationId xmlns:a16="http://schemas.microsoft.com/office/drawing/2014/main" id="{05FD163B-D1D9-E0F4-2B23-5044DCA5622F}"/>
+              </a:ext>
+            </a:extLst>
+          </p:cNvPr>
+          <p:cNvSpPr/>
+          <p:nvPr/>
+        </p:nvSpPr>
+        <p:spPr>
+          <a:xfrm>
+            <a:off x="1122783" y="690465"/>
+            <a:ext cx="9946433" cy="1433804"/>
+          </a:xfrm>
+          <a:prstGeom prst="rect">
+            <a:avLst/>
+          </a:prstGeom>
+        </p:spPr>
+        <p:style>
+          <a:lnRef idx="2">
+            <a:schemeClr val="accent1">
+              <a:shade val="15000"/>
+            </a:schemeClr>
+          </a:lnRef>
+          <a:fillRef idx="1">
+            <a:schemeClr val="accent1"/>
+          </a:fillRef>
+          <a:effectRef idx="0">
+            <a:schemeClr val="accent1"/>
+          </a:effectRef>
+          <a:fontRef idx="minor">
+            <a:schemeClr val="lt1"/>
+          </a:fontRef>
+        </p:style>
+        <p:txBody>
+          <a:bodyPr rtlCol="0" anchor="ctr"/>
+          <a:lstStyle/>
+          <a:p>
+            <a:pPr algn="ctr"/>
+            <a:endParaRPr lang="pt-BR"/>
+          </a:p>
+        </p:txBody>
+      </p:sp>
+      <p:sp>
+        <p:nvSpPr>
+          <p:cNvPr id="4" name="Retângulo 3">
+            <a:extLst>
+              <a:ext uri="{FF2B5EF4-FFF2-40B4-BE49-F238E27FC236}">
+                <a16:creationId xmlns:a16="http://schemas.microsoft.com/office/drawing/2014/main" id="{88EA6336-1CC0-18C0-7183-BD7176202333}"/>
+              </a:ext>
+            </a:extLst>
+          </p:cNvPr>
+          <p:cNvSpPr/>
+          <p:nvPr/>
+        </p:nvSpPr>
+        <p:spPr>
+          <a:xfrm>
+            <a:off x="1122782" y="2712097"/>
+            <a:ext cx="9946433" cy="1433805"/>
+          </a:xfrm>
+          <a:prstGeom prst="rect">
+            <a:avLst/>
+          </a:prstGeom>
+        </p:spPr>
+        <p:style>
+          <a:lnRef idx="2">
+            <a:schemeClr val="accent1">
+              <a:shade val="15000"/>
+            </a:schemeClr>
+          </a:lnRef>
+          <a:fillRef idx="1">
+            <a:schemeClr val="accent1"/>
+          </a:fillRef>
+          <a:effectRef idx="0">
+            <a:schemeClr val="accent1"/>
+          </a:effectRef>
+          <a:fontRef idx="minor">
+            <a:schemeClr val="lt1"/>
+          </a:fontRef>
+        </p:style>
+        <p:txBody>
+          <a:bodyPr rtlCol="0" anchor="ctr"/>
+          <a:lstStyle/>
+          <a:p>
+            <a:pPr algn="ctr"/>
+            <a:endParaRPr lang="pt-BR"/>
+          </a:p>
+        </p:txBody>
+      </p:sp>
+      <p:sp>
+        <p:nvSpPr>
+          <p:cNvPr id="5" name="Retângulo 4">
+            <a:extLst>
+              <a:ext uri="{FF2B5EF4-FFF2-40B4-BE49-F238E27FC236}">
+                <a16:creationId xmlns:a16="http://schemas.microsoft.com/office/drawing/2014/main" id="{5984CE4E-ACFC-4518-7CBF-A2F34BEB9D22}"/>
+              </a:ext>
+            </a:extLst>
+          </p:cNvPr>
+          <p:cNvSpPr/>
+          <p:nvPr/>
+        </p:nvSpPr>
+        <p:spPr>
+          <a:xfrm>
+            <a:off x="1122782" y="4733731"/>
+            <a:ext cx="9946433" cy="1433804"/>
+          </a:xfrm>
+          <a:prstGeom prst="rect">
+            <a:avLst/>
+          </a:prstGeom>
+        </p:spPr>
+        <p:style>
+          <a:lnRef idx="2">
+            <a:schemeClr val="accent1">
+              <a:shade val="15000"/>
+            </a:schemeClr>
+          </a:lnRef>
+          <a:fillRef idx="1">
+            <a:schemeClr val="accent1"/>
+          </a:fillRef>
+          <a:effectRef idx="0">
+            <a:schemeClr val="accent1"/>
+          </a:effectRef>
+          <a:fontRef idx="minor">
+            <a:schemeClr val="lt1"/>
+          </a:fontRef>
+        </p:style>
+        <p:txBody>
+          <a:bodyPr rtlCol="0" anchor="ctr"/>
+          <a:lstStyle/>
+          <a:p>
+            <a:pPr algn="ctr"/>
+            <a:endParaRPr lang="pt-BR"/>
+          </a:p>
+        </p:txBody>
+      </p:sp>
+      <p:sp>
+        <p:nvSpPr>
+          <p:cNvPr id="6" name="CaixaDeTexto 5">
+            <a:extLst>
+              <a:ext uri="{FF2B5EF4-FFF2-40B4-BE49-F238E27FC236}">
+                <a16:creationId xmlns:a16="http://schemas.microsoft.com/office/drawing/2014/main" id="{A61F4457-95A8-E48C-E090-1A9345907048}"/>
               </a:ext>
             </a:extLst>
           </p:cNvPr>
@@ -3783,8 +3926,8 @@
         </p:nvSpPr>
         <p:spPr>
           <a:xfrm>
-            <a:off x="2305878" y="2767280"/>
-            <a:ext cx="7580244" cy="1323439"/>
+            <a:off x="3608608" y="903331"/>
+            <a:ext cx="4974773" cy="1015663"/>
           </a:xfrm>
           <a:prstGeom prst="rect">
             <a:avLst/>
@@ -3798,25 +3941,93 @@
           <a:lstStyle/>
           <a:p>
             <a:r>
-              <a:rPr lang="pt-BR" sz="8000" dirty="0">
-                <a:solidFill>
-                  <a:schemeClr val="bg1">
-                    <a:lumMod val="85000"/>
-                  </a:schemeClr>
-                </a:solidFill>
-                <a:latin typeface="Arial" panose="020B0604020202020204" pitchFamily="34" charset="0"/>
-                <a:cs typeface="Arial" panose="020B0604020202020204" pitchFamily="34" charset="0"/>
+              <a:rPr lang="pt-BR" sz="6000" dirty="0">
+                <a:latin typeface="Arial Black" panose="020B0A04020102020204" pitchFamily="34" charset="0"/>
+              </a:rPr>
+              <a:t>Dificuldade</a:t>
+            </a:r>
+            <a:endParaRPr lang="pt-BR" sz="4400" dirty="0">
+              <a:latin typeface="Arial Black" panose="020B0A04020102020204" pitchFamily="34" charset="0"/>
+            </a:endParaRPr>
+          </a:p>
+        </p:txBody>
+      </p:sp>
+      <p:sp>
+        <p:nvSpPr>
+          <p:cNvPr id="7" name="CaixaDeTexto 6">
+            <a:extLst>
+              <a:ext uri="{FF2B5EF4-FFF2-40B4-BE49-F238E27FC236}">
+                <a16:creationId xmlns:a16="http://schemas.microsoft.com/office/drawing/2014/main" id="{FC73F856-A322-310B-E347-EB022CE0A7C4}"/>
+              </a:ext>
+            </a:extLst>
+          </p:cNvPr>
+          <p:cNvSpPr txBox="1"/>
+          <p:nvPr/>
+        </p:nvSpPr>
+        <p:spPr>
+          <a:xfrm>
+            <a:off x="3762566" y="2921168"/>
+            <a:ext cx="4666863" cy="1015663"/>
+          </a:xfrm>
+          <a:prstGeom prst="rect">
+            <a:avLst/>
+          </a:prstGeom>
+          <a:noFill/>
+        </p:spPr>
+        <p:txBody>
+          <a:bodyPr wrap="square" rtlCol="0">
+            <a:spAutoFit/>
+          </a:bodyPr>
+          <a:lstStyle/>
+          <a:p>
+            <a:r>
+              <a:rPr lang="pt-BR" sz="6000" dirty="0">
+                <a:latin typeface="Arial Black" panose="020B0A04020102020204" pitchFamily="34" charset="0"/>
+              </a:rPr>
+              <a:t>Superação</a:t>
+            </a:r>
+            <a:endParaRPr lang="pt-BR" sz="4400" dirty="0">
+              <a:latin typeface="Arial Black" panose="020B0A04020102020204" pitchFamily="34" charset="0"/>
+            </a:endParaRPr>
+          </a:p>
+        </p:txBody>
+      </p:sp>
+      <p:sp>
+        <p:nvSpPr>
+          <p:cNvPr id="8" name="CaixaDeTexto 7">
+            <a:extLst>
+              <a:ext uri="{FF2B5EF4-FFF2-40B4-BE49-F238E27FC236}">
+                <a16:creationId xmlns:a16="http://schemas.microsoft.com/office/drawing/2014/main" id="{FB0363A5-C7A8-6367-6CF8-DD50699802BA}"/>
+              </a:ext>
+            </a:extLst>
+          </p:cNvPr>
+          <p:cNvSpPr txBox="1"/>
+          <p:nvPr/>
+        </p:nvSpPr>
+        <p:spPr>
+          <a:xfrm>
+            <a:off x="2420899" y="4942802"/>
+            <a:ext cx="7350193" cy="1015663"/>
+          </a:xfrm>
+          <a:prstGeom prst="rect">
+            <a:avLst/>
+          </a:prstGeom>
+          <a:noFill/>
+        </p:spPr>
+        <p:txBody>
+          <a:bodyPr wrap="square" rtlCol="0">
+            <a:spAutoFit/>
+          </a:bodyPr>
+          <a:lstStyle/>
+          <a:p>
+            <a:r>
+              <a:rPr lang="pt-BR" sz="6000" dirty="0">
+                <a:latin typeface="Arial Black" panose="020B0A04020102020204" pitchFamily="34" charset="0"/>
               </a:rPr>
               <a:t>Agradecimentos</a:t>
             </a:r>
-            <a:endParaRPr lang="pt-BR" sz="2400" dirty="0">
-              <a:solidFill>
-                <a:schemeClr val="bg1">
-                  <a:lumMod val="85000"/>
-                </a:schemeClr>
-              </a:solidFill>
-              <a:latin typeface="Arial" panose="020B0604020202020204" pitchFamily="34" charset="0"/>
-              <a:cs typeface="Arial" panose="020B0604020202020204" pitchFamily="34" charset="0"/>
+            <a:endParaRPr lang="pt-BR" sz="4400" dirty="0">
+              <a:latin typeface="Arial Black" panose="020B0A04020102020204" pitchFamily="34" charset="0"/>
             </a:endParaRPr>
           </a:p>
         </p:txBody>
